--- a/Preliminary images.pptx
+++ b/Preliminary images.pptx
@@ -8,11 +8,13 @@
     <p:sldId id="256" r:id="rId2"/>
     <p:sldId id="257" r:id="rId3"/>
     <p:sldId id="258" r:id="rId4"/>
-    <p:sldId id="263" r:id="rId5"/>
-    <p:sldId id="259" r:id="rId6"/>
-    <p:sldId id="260" r:id="rId7"/>
-    <p:sldId id="261" r:id="rId8"/>
-    <p:sldId id="262" r:id="rId9"/>
+    <p:sldId id="264" r:id="rId5"/>
+    <p:sldId id="263" r:id="rId6"/>
+    <p:sldId id="259" r:id="rId7"/>
+    <p:sldId id="260" r:id="rId8"/>
+    <p:sldId id="261" r:id="rId9"/>
+    <p:sldId id="265" r:id="rId10"/>
+    <p:sldId id="262" r:id="rId11"/>
   </p:sldIdLst>
   <p:sldSz cx="12192000" cy="6858000"/>
   <p:notesSz cx="6858000" cy="9144000"/>
@@ -277,7 +279,7 @@
           <a:p>
             <a:fld id="{53A5D3DE-FA2F-43CB-A724-7744CDC8527B}" type="datetimeFigureOut">
               <a:rPr lang="en-US" smtClean="0"/>
-              <a:t>9/25/2018</a:t>
+              <a:t>10/2/2018</a:t>
             </a:fld>
             <a:endParaRPr lang="en-US"/>
           </a:p>
@@ -475,7 +477,7 @@
           <a:p>
             <a:fld id="{53A5D3DE-FA2F-43CB-A724-7744CDC8527B}" type="datetimeFigureOut">
               <a:rPr lang="en-US" smtClean="0"/>
-              <a:t>9/25/2018</a:t>
+              <a:t>10/2/2018</a:t>
             </a:fld>
             <a:endParaRPr lang="en-US"/>
           </a:p>
@@ -683,7 +685,7 @@
           <a:p>
             <a:fld id="{53A5D3DE-FA2F-43CB-A724-7744CDC8527B}" type="datetimeFigureOut">
               <a:rPr lang="en-US" smtClean="0"/>
-              <a:t>9/25/2018</a:t>
+              <a:t>10/2/2018</a:t>
             </a:fld>
             <a:endParaRPr lang="en-US"/>
           </a:p>
@@ -881,7 +883,7 @@
           <a:p>
             <a:fld id="{53A5D3DE-FA2F-43CB-A724-7744CDC8527B}" type="datetimeFigureOut">
               <a:rPr lang="en-US" smtClean="0"/>
-              <a:t>9/25/2018</a:t>
+              <a:t>10/2/2018</a:t>
             </a:fld>
             <a:endParaRPr lang="en-US"/>
           </a:p>
@@ -1156,7 +1158,7 @@
           <a:p>
             <a:fld id="{53A5D3DE-FA2F-43CB-A724-7744CDC8527B}" type="datetimeFigureOut">
               <a:rPr lang="en-US" smtClean="0"/>
-              <a:t>9/25/2018</a:t>
+              <a:t>10/2/2018</a:t>
             </a:fld>
             <a:endParaRPr lang="en-US"/>
           </a:p>
@@ -1421,7 +1423,7 @@
           <a:p>
             <a:fld id="{53A5D3DE-FA2F-43CB-A724-7744CDC8527B}" type="datetimeFigureOut">
               <a:rPr lang="en-US" smtClean="0"/>
-              <a:t>9/25/2018</a:t>
+              <a:t>10/2/2018</a:t>
             </a:fld>
             <a:endParaRPr lang="en-US"/>
           </a:p>
@@ -1833,7 +1835,7 @@
           <a:p>
             <a:fld id="{53A5D3DE-FA2F-43CB-A724-7744CDC8527B}" type="datetimeFigureOut">
               <a:rPr lang="en-US" smtClean="0"/>
-              <a:t>9/25/2018</a:t>
+              <a:t>10/2/2018</a:t>
             </a:fld>
             <a:endParaRPr lang="en-US"/>
           </a:p>
@@ -1974,7 +1976,7 @@
           <a:p>
             <a:fld id="{53A5D3DE-FA2F-43CB-A724-7744CDC8527B}" type="datetimeFigureOut">
               <a:rPr lang="en-US" smtClean="0"/>
-              <a:t>9/25/2018</a:t>
+              <a:t>10/2/2018</a:t>
             </a:fld>
             <a:endParaRPr lang="en-US"/>
           </a:p>
@@ -2087,7 +2089,7 @@
           <a:p>
             <a:fld id="{53A5D3DE-FA2F-43CB-A724-7744CDC8527B}" type="datetimeFigureOut">
               <a:rPr lang="en-US" smtClean="0"/>
-              <a:t>9/25/2018</a:t>
+              <a:t>10/2/2018</a:t>
             </a:fld>
             <a:endParaRPr lang="en-US"/>
           </a:p>
@@ -2398,7 +2400,7 @@
           <a:p>
             <a:fld id="{53A5D3DE-FA2F-43CB-A724-7744CDC8527B}" type="datetimeFigureOut">
               <a:rPr lang="en-US" smtClean="0"/>
-              <a:t>9/25/2018</a:t>
+              <a:t>10/2/2018</a:t>
             </a:fld>
             <a:endParaRPr lang="en-US"/>
           </a:p>
@@ -2686,7 +2688,7 @@
           <a:p>
             <a:fld id="{53A5D3DE-FA2F-43CB-A724-7744CDC8527B}" type="datetimeFigureOut">
               <a:rPr lang="en-US" smtClean="0"/>
-              <a:t>9/25/2018</a:t>
+              <a:t>10/2/2018</a:t>
             </a:fld>
             <a:endParaRPr lang="en-US"/>
           </a:p>
@@ -2927,7 +2929,7 @@
           <a:p>
             <a:fld id="{53A5D3DE-FA2F-43CB-A724-7744CDC8527B}" type="datetimeFigureOut">
               <a:rPr lang="en-US" smtClean="0"/>
-              <a:t>9/25/2018</a:t>
+              <a:t>10/2/2018</a:t>
             </a:fld>
             <a:endParaRPr lang="en-US"/>
           </a:p>
@@ -3428,6 +3430,350 @@
 </p:sld>
 </file>
 
+<file path=ppt/slides/slide10.xml><?xml version="1.0" encoding="utf-8"?>
+<p:sld xmlns:a="http://schemas.openxmlformats.org/drawingml/2006/main" xmlns:r="http://schemas.openxmlformats.org/officeDocument/2006/relationships" xmlns:p="http://schemas.openxmlformats.org/presentationml/2006/main">
+  <p:cSld>
+    <p:spTree>
+      <p:nvGrpSpPr>
+        <p:cNvPr id="1" name=""/>
+        <p:cNvGrpSpPr/>
+        <p:nvPr/>
+      </p:nvGrpSpPr>
+      <p:grpSpPr>
+        <a:xfrm>
+          <a:off x="0" y="0"/>
+          <a:ext cx="0" cy="0"/>
+          <a:chOff x="0" y="0"/>
+          <a:chExt cx="0" cy="0"/>
+        </a:xfrm>
+      </p:grpSpPr>
+      <p:sp>
+        <p:nvSpPr>
+          <p:cNvPr id="2" name="Title 1">
+            <a:extLst>
+              <a:ext uri="{FF2B5EF4-FFF2-40B4-BE49-F238E27FC236}">
+                <a16:creationId xmlns:a16="http://schemas.microsoft.com/office/drawing/2014/main" id="{21776CFF-A234-4DBD-B7CA-629F71236090}"/>
+              </a:ext>
+            </a:extLst>
+          </p:cNvPr>
+          <p:cNvSpPr>
+            <a:spLocks noGrp="1"/>
+          </p:cNvSpPr>
+          <p:nvPr>
+            <p:ph type="title"/>
+          </p:nvPr>
+        </p:nvSpPr>
+        <p:spPr/>
+        <p:txBody>
+          <a:bodyPr/>
+          <a:lstStyle/>
+          <a:p>
+            <a:r>
+              <a:rPr lang="en-US" dirty="0">
+                <a:latin typeface="Bahnschrift" panose="020B0502040204020203" pitchFamily="34" charset="0"/>
+              </a:rPr>
+              <a:t>Next steps for active region analysis</a:t>
+            </a:r>
+          </a:p>
+        </p:txBody>
+      </p:sp>
+      <p:sp>
+        <p:nvSpPr>
+          <p:cNvPr id="3" name="TextBox 2">
+            <a:extLst>
+              <a:ext uri="{FF2B5EF4-FFF2-40B4-BE49-F238E27FC236}">
+                <a16:creationId xmlns:a16="http://schemas.microsoft.com/office/drawing/2014/main" id="{5F678A54-4FDC-4941-89DC-AB931E599E5B}"/>
+              </a:ext>
+            </a:extLst>
+          </p:cNvPr>
+          <p:cNvSpPr txBox="1"/>
+          <p:nvPr/>
+        </p:nvSpPr>
+        <p:spPr>
+          <a:xfrm>
+            <a:off x="1044388" y="1833282"/>
+            <a:ext cx="10298589" cy="4247317"/>
+          </a:xfrm>
+          <a:prstGeom prst="rect">
+            <a:avLst/>
+          </a:prstGeom>
+          <a:noFill/>
+        </p:spPr>
+        <p:txBody>
+          <a:bodyPr wrap="none" rtlCol="0">
+            <a:spAutoFit/>
+          </a:bodyPr>
+          <a:lstStyle/>
+          <a:p>
+            <a:r>
+              <a:rPr lang="en-US" b="1" dirty="0"/>
+              <a:t>Immediate next steps for images:</a:t>
+            </a:r>
+          </a:p>
+          <a:p>
+            <a:endParaRPr lang="en-US" dirty="0"/>
+          </a:p>
+          <a:p>
+            <a:pPr marL="285750" indent="-285750">
+              <a:buFont typeface="Arial" panose="020B0604020202020204" pitchFamily="34" charset="0"/>
+              <a:buChar char="•"/>
+            </a:pPr>
+            <a:r>
+              <a:rPr lang="en-US" dirty="0"/>
+              <a:t>Check what are the error flags to know what are the sources of “bad” events </a:t>
+            </a:r>
+            <a:r>
+              <a:rPr lang="en-US" i="1" dirty="0">
+                <a:solidFill>
+                  <a:schemeClr val="bg1">
+                    <a:lumMod val="65000"/>
+                  </a:schemeClr>
+                </a:solidFill>
+              </a:rPr>
+              <a:t>(Sophie)</a:t>
+            </a:r>
+            <a:endParaRPr lang="en-US" dirty="0"/>
+          </a:p>
+          <a:p>
+            <a:pPr marL="285750" indent="-285750">
+              <a:buFont typeface="Arial" panose="020B0604020202020204" pitchFamily="34" charset="0"/>
+              <a:buChar char="•"/>
+            </a:pPr>
+            <a:r>
+              <a:rPr lang="en-US" dirty="0"/>
+              <a:t>Try to ignore noisy strips in det 6 data… other ideas? </a:t>
+            </a:r>
+            <a:r>
+              <a:rPr lang="en-US" i="1" dirty="0">
+                <a:solidFill>
+                  <a:schemeClr val="bg1">
+                    <a:lumMod val="65000"/>
+                  </a:schemeClr>
+                </a:solidFill>
+              </a:rPr>
+              <a:t>(Sophie)</a:t>
+            </a:r>
+          </a:p>
+          <a:p>
+            <a:pPr marL="285750" indent="-285750">
+              <a:buFont typeface="Arial" panose="020B0604020202020204" pitchFamily="34" charset="0"/>
+              <a:buChar char="•"/>
+            </a:pPr>
+            <a:r>
+              <a:rPr lang="en-US" dirty="0"/>
+              <a:t>Do the same kind of analysis for </a:t>
+            </a:r>
+            <a:r>
+              <a:rPr lang="en-US" dirty="0" err="1"/>
+              <a:t>CdTe</a:t>
+            </a:r>
+            <a:r>
+              <a:rPr lang="en-US" dirty="0"/>
+              <a:t> = need to check the level0 to level1 procedure + geometry </a:t>
+            </a:r>
+            <a:r>
+              <a:rPr lang="en-US" i="1" dirty="0">
+                <a:solidFill>
+                  <a:schemeClr val="bg1">
+                    <a:lumMod val="65000"/>
+                  </a:schemeClr>
+                </a:solidFill>
+              </a:rPr>
+              <a:t>(Sophie)</a:t>
+            </a:r>
+            <a:endParaRPr lang="en-US" dirty="0"/>
+          </a:p>
+          <a:p>
+            <a:pPr marL="285750" indent="-285750">
+              <a:buFont typeface="Arial" panose="020B0604020202020204" pitchFamily="34" charset="0"/>
+              <a:buChar char="•"/>
+            </a:pPr>
+            <a:r>
+              <a:rPr lang="en-US" dirty="0"/>
+              <a:t>Level 2 data </a:t>
+            </a:r>
+            <a:r>
+              <a:rPr lang="en-US" dirty="0">
+                <a:sym typeface="Wingdings" panose="05000000000000000000" pitchFamily="2" charset="2"/>
+              </a:rPr>
+              <a:t> We have to review our current energy calibration </a:t>
+            </a:r>
+            <a:r>
+              <a:rPr lang="en-US" i="1" dirty="0">
+                <a:solidFill>
+                  <a:schemeClr val="bg1">
+                    <a:lumMod val="65000"/>
+                  </a:schemeClr>
+                </a:solidFill>
+              </a:rPr>
+              <a:t>(Sophie and </a:t>
+            </a:r>
+            <a:r>
+              <a:rPr lang="en-US" i="1" dirty="0" err="1">
+                <a:solidFill>
+                  <a:schemeClr val="bg1">
+                    <a:lumMod val="65000"/>
+                  </a:schemeClr>
+                </a:solidFill>
+              </a:rPr>
+              <a:t>Athiray</a:t>
+            </a:r>
+            <a:r>
+              <a:rPr lang="en-US" i="1" dirty="0">
+                <a:solidFill>
+                  <a:schemeClr val="bg1">
+                    <a:lumMod val="65000"/>
+                  </a:schemeClr>
+                </a:solidFill>
+              </a:rPr>
+              <a:t>)</a:t>
+            </a:r>
+            <a:endParaRPr lang="en-US" dirty="0">
+              <a:sym typeface="Wingdings" panose="05000000000000000000" pitchFamily="2" charset="2"/>
+            </a:endParaRPr>
+          </a:p>
+          <a:p>
+            <a:pPr marL="285750" indent="-285750">
+              <a:buFont typeface="Arial" panose="020B0604020202020204" pitchFamily="34" charset="0"/>
+              <a:buChar char="•"/>
+            </a:pPr>
+            <a:endParaRPr lang="en-US" dirty="0">
+              <a:sym typeface="Wingdings" panose="05000000000000000000" pitchFamily="2" charset="2"/>
+            </a:endParaRPr>
+          </a:p>
+          <a:p>
+            <a:r>
+              <a:rPr lang="en-US" b="1" dirty="0">
+                <a:sym typeface="Wingdings" panose="05000000000000000000" pitchFamily="2" charset="2"/>
+              </a:rPr>
+              <a:t>Other next steps for images:</a:t>
+            </a:r>
+          </a:p>
+          <a:p>
+            <a:endParaRPr lang="en-US" dirty="0">
+              <a:sym typeface="Wingdings" panose="05000000000000000000" pitchFamily="2" charset="2"/>
+            </a:endParaRPr>
+          </a:p>
+          <a:p>
+            <a:pPr marL="285750" indent="-285750">
+              <a:buFont typeface="Arial" panose="020B0604020202020204" pitchFamily="34" charset="0"/>
+              <a:buChar char="•"/>
+            </a:pPr>
+            <a:r>
+              <a:rPr lang="en-US" dirty="0">
+                <a:sym typeface="Wingdings" panose="05000000000000000000" pitchFamily="2" charset="2"/>
+              </a:rPr>
+              <a:t>Use statistical analysis to say what is the probability that the counts are randomly distributed </a:t>
+            </a:r>
+            <a:r>
+              <a:rPr lang="en-US" i="1" dirty="0">
+                <a:solidFill>
+                  <a:schemeClr val="bg1">
+                    <a:lumMod val="65000"/>
+                  </a:schemeClr>
+                </a:solidFill>
+              </a:rPr>
+              <a:t>(Sophie)</a:t>
+            </a:r>
+            <a:endParaRPr lang="en-US" dirty="0">
+              <a:sym typeface="Wingdings" panose="05000000000000000000" pitchFamily="2" charset="2"/>
+            </a:endParaRPr>
+          </a:p>
+          <a:p>
+            <a:pPr marL="285750" indent="-285750">
+              <a:buFont typeface="Arial" panose="020B0604020202020204" pitchFamily="34" charset="0"/>
+              <a:buChar char="•"/>
+            </a:pPr>
+            <a:endParaRPr lang="en-US" dirty="0">
+              <a:sym typeface="Wingdings" panose="05000000000000000000" pitchFamily="2" charset="2"/>
+            </a:endParaRPr>
+          </a:p>
+          <a:p>
+            <a:r>
+              <a:rPr lang="en-US" b="1" dirty="0">
+                <a:sym typeface="Wingdings" panose="05000000000000000000" pitchFamily="2" charset="2"/>
+              </a:rPr>
+              <a:t>Other next steps for active region analysis:</a:t>
+            </a:r>
+          </a:p>
+          <a:p>
+            <a:pPr marL="285750" indent="-285750">
+              <a:buFont typeface="Arial" panose="020B0604020202020204" pitchFamily="34" charset="0"/>
+              <a:buChar char="•"/>
+            </a:pPr>
+            <a:endParaRPr lang="en-US" dirty="0">
+              <a:sym typeface="Wingdings" panose="05000000000000000000" pitchFamily="2" charset="2"/>
+            </a:endParaRPr>
+          </a:p>
+          <a:p>
+            <a:pPr marL="285750" indent="-285750">
+              <a:buFont typeface="Arial" panose="020B0604020202020204" pitchFamily="34" charset="0"/>
+              <a:buChar char="•"/>
+            </a:pPr>
+            <a:r>
+              <a:rPr lang="en-US" dirty="0" err="1">
+                <a:sym typeface="Wingdings" panose="05000000000000000000" pitchFamily="2" charset="2"/>
+              </a:rPr>
+              <a:t>Lightcurves</a:t>
+            </a:r>
+            <a:r>
+              <a:rPr lang="en-US" dirty="0">
+                <a:sym typeface="Wingdings" panose="05000000000000000000" pitchFamily="2" charset="2"/>
+              </a:rPr>
+              <a:t>  time binning and/or kernel density estimation </a:t>
+            </a:r>
+            <a:r>
+              <a:rPr lang="en-US" i="1">
+                <a:solidFill>
+                  <a:schemeClr val="bg1">
+                    <a:lumMod val="65000"/>
+                  </a:schemeClr>
+                </a:solidFill>
+              </a:rPr>
+              <a:t>(Sophie?)</a:t>
+            </a:r>
+            <a:endParaRPr lang="en-US" dirty="0">
+              <a:sym typeface="Wingdings" panose="05000000000000000000" pitchFamily="2" charset="2"/>
+            </a:endParaRPr>
+          </a:p>
+          <a:p>
+            <a:pPr marL="285750" indent="-285750">
+              <a:buFont typeface="Arial" panose="020B0604020202020204" pitchFamily="34" charset="0"/>
+              <a:buChar char="•"/>
+            </a:pPr>
+            <a:r>
+              <a:rPr lang="en-US" dirty="0">
+                <a:sym typeface="Wingdings" panose="05000000000000000000" pitchFamily="2" charset="2"/>
+              </a:rPr>
+              <a:t>Spectroscopy </a:t>
+            </a:r>
+            <a:r>
+              <a:rPr lang="en-US" i="1" dirty="0">
+                <a:solidFill>
+                  <a:schemeClr val="bg1">
+                    <a:lumMod val="65000"/>
+                  </a:schemeClr>
+                </a:solidFill>
+              </a:rPr>
+              <a:t>(UMN)</a:t>
+            </a:r>
+            <a:endParaRPr lang="en-US" dirty="0"/>
+          </a:p>
+        </p:txBody>
+      </p:sp>
+    </p:spTree>
+    <p:extLst>
+      <p:ext uri="{BB962C8B-B14F-4D97-AF65-F5344CB8AC3E}">
+        <p14:creationId xmlns:p14="http://schemas.microsoft.com/office/powerpoint/2010/main" val="378212804"/>
+      </p:ext>
+    </p:extLst>
+  </p:cSld>
+  <p:clrMapOvr>
+    <a:masterClrMapping/>
+  </p:clrMapOvr>
+</p:sld>
+</file>
+
 <file path=ppt/slides/slide2.xml><?xml version="1.0" encoding="utf-8"?>
 <p:sld xmlns:a="http://schemas.openxmlformats.org/drawingml/2006/main" xmlns:r="http://schemas.openxmlformats.org/officeDocument/2006/relationships" xmlns:p="http://schemas.openxmlformats.org/presentationml/2006/main">
   <p:cSld>
@@ -4994,7 +5340,7 @@
               <a:rPr lang="en-US" dirty="0">
                 <a:latin typeface="Bahnschrift" panose="020B0502040204020203" pitchFamily="34" charset="0"/>
               </a:rPr>
-              <a:t>Silicon images in detector coordinates</a:t>
+              <a:t>Silicon preliminary level 2 data:</a:t>
             </a:r>
             <a:br>
               <a:rPr lang="en-US" dirty="0">
@@ -5005,171 +5351,27 @@
               <a:rPr lang="en-US" dirty="0">
                 <a:latin typeface="Bahnschrift" panose="020B0502040204020203" pitchFamily="34" charset="0"/>
               </a:rPr>
-              <a:t>With level1 data</a:t>
-            </a:r>
-          </a:p>
-        </p:txBody>
-      </p:sp>
-      <p:pic>
-        <p:nvPicPr>
-          <p:cNvPr id="4" name="Picture 3">
-            <a:extLst>
-              <a:ext uri="{FF2B5EF4-FFF2-40B4-BE49-F238E27FC236}">
-                <a16:creationId xmlns:a16="http://schemas.microsoft.com/office/drawing/2014/main" id="{F72C3A70-D8B5-401E-9CAB-50B3BF040B9F}"/>
-              </a:ext>
-            </a:extLst>
-          </p:cNvPr>
-          <p:cNvPicPr>
-            <a:picLocks noChangeAspect="1"/>
-          </p:cNvPicPr>
+              <a:t>error flags</a:t>
+            </a:r>
+          </a:p>
+        </p:txBody>
+      </p:sp>
+      <p:sp>
+        <p:nvSpPr>
+          <p:cNvPr id="5" name="TextBox 4">
+            <a:extLst>
+              <a:ext uri="{FF2B5EF4-FFF2-40B4-BE49-F238E27FC236}">
+                <a16:creationId xmlns:a16="http://schemas.microsoft.com/office/drawing/2014/main" id="{A4DD2619-3953-4F9E-9193-0071A7DAFA02}"/>
+              </a:ext>
+            </a:extLst>
+          </p:cNvPr>
+          <p:cNvSpPr txBox="1"/>
           <p:nvPr/>
-        </p:nvPicPr>
-        <p:blipFill>
-          <a:blip r:embed="rId2">
-            <a:extLst>
-              <a:ext uri="{28A0092B-C50C-407E-A947-70E740481C1C}">
-                <a14:useLocalDpi xmlns:a14="http://schemas.microsoft.com/office/drawing/2010/main" val="0"/>
-              </a:ext>
-            </a:extLst>
-          </a:blip>
-          <a:stretch>
-            <a:fillRect/>
-          </a:stretch>
-        </p:blipFill>
+        </p:nvSpPr>
         <p:spPr>
           <a:xfrm>
-            <a:off x="3013866" y="2797827"/>
-            <a:ext cx="3017520" cy="3017520"/>
-          </a:xfrm>
-          <a:prstGeom prst="rect">
-            <a:avLst/>
-          </a:prstGeom>
-        </p:spPr>
-      </p:pic>
-      <p:pic>
-        <p:nvPicPr>
-          <p:cNvPr id="6" name="Picture 5">
-            <a:extLst>
-              <a:ext uri="{FF2B5EF4-FFF2-40B4-BE49-F238E27FC236}">
-                <a16:creationId xmlns:a16="http://schemas.microsoft.com/office/drawing/2014/main" id="{2DB4C252-7F4E-4C4D-A9AC-4DCF41056B06}"/>
-              </a:ext>
-            </a:extLst>
-          </p:cNvPr>
-          <p:cNvPicPr>
-            <a:picLocks noChangeAspect="1"/>
-          </p:cNvPicPr>
-          <p:nvPr/>
-        </p:nvPicPr>
-        <p:blipFill>
-          <a:blip r:embed="rId3">
-            <a:extLst>
-              <a:ext uri="{28A0092B-C50C-407E-A947-70E740481C1C}">
-                <a14:useLocalDpi xmlns:a14="http://schemas.microsoft.com/office/drawing/2010/main" val="0"/>
-              </a:ext>
-            </a:extLst>
-          </a:blip>
-          <a:stretch>
-            <a:fillRect/>
-          </a:stretch>
-        </p:blipFill>
-        <p:spPr>
-          <a:xfrm>
-            <a:off x="107812" y="2797827"/>
-            <a:ext cx="3017520" cy="3017520"/>
-          </a:xfrm>
-          <a:prstGeom prst="rect">
-            <a:avLst/>
-          </a:prstGeom>
-        </p:spPr>
-      </p:pic>
-      <p:pic>
-        <p:nvPicPr>
-          <p:cNvPr id="8" name="Picture 7">
-            <a:extLst>
-              <a:ext uri="{FF2B5EF4-FFF2-40B4-BE49-F238E27FC236}">
-                <a16:creationId xmlns:a16="http://schemas.microsoft.com/office/drawing/2014/main" id="{DCF20D51-C6AD-4532-8C8C-6EDB9ACF2E50}"/>
-              </a:ext>
-            </a:extLst>
-          </p:cNvPr>
-          <p:cNvPicPr>
-            <a:picLocks noChangeAspect="1"/>
-          </p:cNvPicPr>
-          <p:nvPr/>
-        </p:nvPicPr>
-        <p:blipFill>
-          <a:blip r:embed="rId4">
-            <a:extLst>
-              <a:ext uri="{28A0092B-C50C-407E-A947-70E740481C1C}">
-                <a14:useLocalDpi xmlns:a14="http://schemas.microsoft.com/office/drawing/2010/main" val="0"/>
-              </a:ext>
-            </a:extLst>
-          </a:blip>
-          <a:stretch>
-            <a:fillRect/>
-          </a:stretch>
-        </p:blipFill>
-        <p:spPr>
-          <a:xfrm>
-            <a:off x="5961365" y="2797827"/>
-            <a:ext cx="3017520" cy="3017520"/>
-          </a:xfrm>
-          <a:prstGeom prst="rect">
-            <a:avLst/>
-          </a:prstGeom>
-        </p:spPr>
-      </p:pic>
-      <p:pic>
-        <p:nvPicPr>
-          <p:cNvPr id="10" name="Picture 9">
-            <a:extLst>
-              <a:ext uri="{FF2B5EF4-FFF2-40B4-BE49-F238E27FC236}">
-                <a16:creationId xmlns:a16="http://schemas.microsoft.com/office/drawing/2014/main" id="{818F6E43-6BC8-4692-8399-9E60B52F753E}"/>
-              </a:ext>
-            </a:extLst>
-          </p:cNvPr>
-          <p:cNvPicPr>
-            <a:picLocks noChangeAspect="1"/>
-          </p:cNvPicPr>
-          <p:nvPr/>
-        </p:nvPicPr>
-        <p:blipFill>
-          <a:blip r:embed="rId5">
-            <a:extLst>
-              <a:ext uri="{28A0092B-C50C-407E-A947-70E740481C1C}">
-                <a14:useLocalDpi xmlns:a14="http://schemas.microsoft.com/office/drawing/2010/main" val="0"/>
-              </a:ext>
-            </a:extLst>
-          </a:blip>
-          <a:stretch>
-            <a:fillRect/>
-          </a:stretch>
-        </p:blipFill>
-        <p:spPr>
-          <a:xfrm>
-            <a:off x="8867419" y="2797827"/>
-            <a:ext cx="3017520" cy="3017520"/>
-          </a:xfrm>
-          <a:prstGeom prst="rect">
-            <a:avLst/>
-          </a:prstGeom>
-        </p:spPr>
-      </p:pic>
-      <p:sp>
-        <p:nvSpPr>
-          <p:cNvPr id="11" name="TextBox 10">
-            <a:extLst>
-              <a:ext uri="{FF2B5EF4-FFF2-40B4-BE49-F238E27FC236}">
-                <a16:creationId xmlns:a16="http://schemas.microsoft.com/office/drawing/2014/main" id="{477958B9-6E1C-40ED-89C5-29FBCF7BC1E1}"/>
-              </a:ext>
-            </a:extLst>
-          </p:cNvPr>
-          <p:cNvSpPr txBox="1"/>
-          <p:nvPr/>
-        </p:nvSpPr>
-        <p:spPr>
-          <a:xfrm>
-            <a:off x="1219200" y="2236694"/>
-            <a:ext cx="934615" cy="369332"/>
+            <a:off x="878541" y="1763953"/>
+            <a:ext cx="2991203" cy="369332"/>
           </a:xfrm>
           <a:prstGeom prst="rect">
             <a:avLst/>
@@ -5184,15 +5386,1077 @@
           <a:p>
             <a:r>
               <a:rPr lang="en-US" dirty="0"/>
-              <a:t>Target 1</a:t>
-            </a:r>
-          </a:p>
-        </p:txBody>
-      </p:sp>
+              <a:t>For each set of data, HV 200V.</a:t>
+            </a:r>
+          </a:p>
+        </p:txBody>
+      </p:sp>
+      <p:sp>
+        <p:nvSpPr>
+          <p:cNvPr id="7" name="TextBox 6">
+            <a:extLst>
+              <a:ext uri="{FF2B5EF4-FFF2-40B4-BE49-F238E27FC236}">
+                <a16:creationId xmlns:a16="http://schemas.microsoft.com/office/drawing/2014/main" id="{4B4EC3DA-EB9F-41D4-AE9B-35090CD21B5F}"/>
+              </a:ext>
+            </a:extLst>
+          </p:cNvPr>
+          <p:cNvSpPr txBox="1"/>
+          <p:nvPr/>
+        </p:nvSpPr>
+        <p:spPr>
+          <a:xfrm>
+            <a:off x="1084729" y="5544671"/>
+            <a:ext cx="4659417" cy="646331"/>
+          </a:xfrm>
+          <a:prstGeom prst="rect">
+            <a:avLst/>
+          </a:prstGeom>
+          <a:noFill/>
+        </p:spPr>
+        <p:txBody>
+          <a:bodyPr wrap="none" rtlCol="0">
+            <a:spAutoFit/>
+          </a:bodyPr>
+          <a:lstStyle/>
+          <a:p>
+            <a:pPr marL="285750" indent="-285750">
+              <a:buFont typeface="Arial" panose="020B0604020202020204" pitchFamily="34" charset="0"/>
+              <a:buChar char="•"/>
+            </a:pPr>
+            <a:r>
+              <a:rPr lang="en-US" dirty="0"/>
+              <a:t>Detector 6 is noisy</a:t>
+            </a:r>
+          </a:p>
+          <a:p>
+            <a:pPr marL="285750" indent="-285750">
+              <a:buFont typeface="Arial" panose="020B0604020202020204" pitchFamily="34" charset="0"/>
+              <a:buChar char="•"/>
+            </a:pPr>
+            <a:r>
+              <a:rPr lang="en-US" dirty="0"/>
+              <a:t>Do we usually have that many “bad” events?</a:t>
+            </a:r>
+          </a:p>
+        </p:txBody>
+      </p:sp>
+      <p:graphicFrame>
+        <p:nvGraphicFramePr>
+          <p:cNvPr id="4" name="Table 3">
+            <a:extLst>
+              <a:ext uri="{FF2B5EF4-FFF2-40B4-BE49-F238E27FC236}">
+                <a16:creationId xmlns:a16="http://schemas.microsoft.com/office/drawing/2014/main" id="{5DA1FF44-0F9F-4002-B4EE-856B6570710C}"/>
+              </a:ext>
+            </a:extLst>
+          </p:cNvPr>
+          <p:cNvGraphicFramePr>
+            <a:graphicFrameLocks noGrp="1"/>
+          </p:cNvGraphicFramePr>
+          <p:nvPr>
+            <p:extLst>
+              <p:ext uri="{D42A27DB-BD31-4B8C-83A1-F6EECF244321}">
+                <p14:modId xmlns:p14="http://schemas.microsoft.com/office/powerpoint/2010/main" val="1481172298"/>
+              </p:ext>
+            </p:extLst>
+          </p:nvPr>
+        </p:nvGraphicFramePr>
+        <p:xfrm>
+          <a:off x="878541" y="2575360"/>
+          <a:ext cx="10222751" cy="1854200"/>
+        </p:xfrm>
+        <a:graphic>
+          <a:graphicData uri="http://schemas.openxmlformats.org/drawingml/2006/table">
+            <a:tbl>
+              <a:tblPr firstRow="1" bandRow="1">
+                <a:tableStyleId>{5940675A-B579-460E-94D1-54222C63F5DA}</a:tableStyleId>
+              </a:tblPr>
+              <a:tblGrid>
+                <a:gridCol w="929341">
+                  <a:extLst>
+                    <a:ext uri="{9D8B030D-6E8A-4147-A177-3AD203B41FA5}">
+                      <a16:colId xmlns:a16="http://schemas.microsoft.com/office/drawing/2014/main" val="1064662910"/>
+                    </a:ext>
+                  </a:extLst>
+                </a:gridCol>
+                <a:gridCol w="929341">
+                  <a:extLst>
+                    <a:ext uri="{9D8B030D-6E8A-4147-A177-3AD203B41FA5}">
+                      <a16:colId xmlns:a16="http://schemas.microsoft.com/office/drawing/2014/main" val="1578340081"/>
+                    </a:ext>
+                  </a:extLst>
+                </a:gridCol>
+                <a:gridCol w="929341">
+                  <a:extLst>
+                    <a:ext uri="{9D8B030D-6E8A-4147-A177-3AD203B41FA5}">
+                      <a16:colId xmlns:a16="http://schemas.microsoft.com/office/drawing/2014/main" val="203968230"/>
+                    </a:ext>
+                  </a:extLst>
+                </a:gridCol>
+                <a:gridCol w="929341">
+                  <a:extLst>
+                    <a:ext uri="{9D8B030D-6E8A-4147-A177-3AD203B41FA5}">
+                      <a16:colId xmlns:a16="http://schemas.microsoft.com/office/drawing/2014/main" val="2236998874"/>
+                    </a:ext>
+                  </a:extLst>
+                </a:gridCol>
+                <a:gridCol w="929341">
+                  <a:extLst>
+                    <a:ext uri="{9D8B030D-6E8A-4147-A177-3AD203B41FA5}">
+                      <a16:colId xmlns:a16="http://schemas.microsoft.com/office/drawing/2014/main" val="1180319453"/>
+                    </a:ext>
+                  </a:extLst>
+                </a:gridCol>
+                <a:gridCol w="929341">
+                  <a:extLst>
+                    <a:ext uri="{9D8B030D-6E8A-4147-A177-3AD203B41FA5}">
+                      <a16:colId xmlns:a16="http://schemas.microsoft.com/office/drawing/2014/main" val="2997291068"/>
+                    </a:ext>
+                  </a:extLst>
+                </a:gridCol>
+                <a:gridCol w="929341">
+                  <a:extLst>
+                    <a:ext uri="{9D8B030D-6E8A-4147-A177-3AD203B41FA5}">
+                      <a16:colId xmlns:a16="http://schemas.microsoft.com/office/drawing/2014/main" val="646683011"/>
+                    </a:ext>
+                  </a:extLst>
+                </a:gridCol>
+                <a:gridCol w="929341">
+                  <a:extLst>
+                    <a:ext uri="{9D8B030D-6E8A-4147-A177-3AD203B41FA5}">
+                      <a16:colId xmlns:a16="http://schemas.microsoft.com/office/drawing/2014/main" val="3309132078"/>
+                    </a:ext>
+                  </a:extLst>
+                </a:gridCol>
+                <a:gridCol w="929341">
+                  <a:extLst>
+                    <a:ext uri="{9D8B030D-6E8A-4147-A177-3AD203B41FA5}">
+                      <a16:colId xmlns:a16="http://schemas.microsoft.com/office/drawing/2014/main" val="2387095775"/>
+                    </a:ext>
+                  </a:extLst>
+                </a:gridCol>
+                <a:gridCol w="929341">
+                  <a:extLst>
+                    <a:ext uri="{9D8B030D-6E8A-4147-A177-3AD203B41FA5}">
+                      <a16:colId xmlns:a16="http://schemas.microsoft.com/office/drawing/2014/main" val="1957181914"/>
+                    </a:ext>
+                  </a:extLst>
+                </a:gridCol>
+                <a:gridCol w="929341">
+                  <a:extLst>
+                    <a:ext uri="{9D8B030D-6E8A-4147-A177-3AD203B41FA5}">
+                      <a16:colId xmlns:a16="http://schemas.microsoft.com/office/drawing/2014/main" val="2488969964"/>
+                    </a:ext>
+                  </a:extLst>
+                </a:gridCol>
+              </a:tblGrid>
+              <a:tr h="370840">
+                <a:tc>
+                  <a:txBody>
+                    <a:bodyPr/>
+                    <a:lstStyle/>
+                    <a:p>
+                      <a:pPr algn="ctr"/>
+                      <a:endParaRPr lang="en-US" dirty="0"/>
+                    </a:p>
+                  </a:txBody>
+                  <a:tcPr/>
+                </a:tc>
+                <a:tc>
+                  <a:txBody>
+                    <a:bodyPr/>
+                    <a:lstStyle/>
+                    <a:p>
+                      <a:pPr algn="ctr"/>
+                      <a:r>
+                        <a:rPr lang="en-US" dirty="0"/>
+                        <a:t>Good</a:t>
+                      </a:r>
+                    </a:p>
+                  </a:txBody>
+                  <a:tcPr>
+                    <a:solidFill>
+                      <a:schemeClr val="accent2">
+                        <a:lumMod val="40000"/>
+                        <a:lumOff val="60000"/>
+                      </a:schemeClr>
+                    </a:solidFill>
+                  </a:tcPr>
+                </a:tc>
+                <a:tc>
+                  <a:txBody>
+                    <a:bodyPr/>
+                    <a:lstStyle/>
+                    <a:p>
+                      <a:pPr algn="ctr"/>
+                      <a:r>
+                        <a:rPr lang="en-US" dirty="0"/>
+                        <a:t>Bad</a:t>
+                      </a:r>
+                    </a:p>
+                  </a:txBody>
+                  <a:tcPr>
+                    <a:solidFill>
+                      <a:schemeClr val="accent2">
+                        <a:lumMod val="40000"/>
+                        <a:lumOff val="60000"/>
+                      </a:schemeClr>
+                    </a:solidFill>
+                  </a:tcPr>
+                </a:tc>
+                <a:tc>
+                  <a:txBody>
+                    <a:bodyPr/>
+                    <a:lstStyle/>
+                    <a:p>
+                      <a:pPr algn="ctr"/>
+                      <a:r>
+                        <a:rPr lang="en-US" dirty="0"/>
+                        <a:t>Flag 0 </a:t>
+                      </a:r>
+                    </a:p>
+                  </a:txBody>
+                  <a:tcPr>
+                    <a:solidFill>
+                      <a:schemeClr val="accent6">
+                        <a:lumMod val="40000"/>
+                        <a:lumOff val="60000"/>
+                      </a:schemeClr>
+                    </a:solidFill>
+                  </a:tcPr>
+                </a:tc>
+                <a:tc>
+                  <a:txBody>
+                    <a:bodyPr/>
+                    <a:lstStyle/>
+                    <a:p>
+                      <a:pPr algn="ctr"/>
+                      <a:r>
+                        <a:rPr lang="en-US" dirty="0"/>
+                        <a:t>Flag 1</a:t>
+                      </a:r>
+                    </a:p>
+                  </a:txBody>
+                  <a:tcPr>
+                    <a:solidFill>
+                      <a:schemeClr val="accent6">
+                        <a:lumMod val="40000"/>
+                        <a:lumOff val="60000"/>
+                      </a:schemeClr>
+                    </a:solidFill>
+                  </a:tcPr>
+                </a:tc>
+                <a:tc>
+                  <a:txBody>
+                    <a:bodyPr/>
+                    <a:lstStyle/>
+                    <a:p>
+                      <a:pPr algn="ctr"/>
+                      <a:r>
+                        <a:rPr lang="en-US" dirty="0"/>
+                        <a:t>Flag 2</a:t>
+                      </a:r>
+                    </a:p>
+                  </a:txBody>
+                  <a:tcPr>
+                    <a:solidFill>
+                      <a:schemeClr val="accent6">
+                        <a:lumMod val="40000"/>
+                        <a:lumOff val="60000"/>
+                      </a:schemeClr>
+                    </a:solidFill>
+                  </a:tcPr>
+                </a:tc>
+                <a:tc>
+                  <a:txBody>
+                    <a:bodyPr/>
+                    <a:lstStyle/>
+                    <a:p>
+                      <a:pPr algn="ctr"/>
+                      <a:r>
+                        <a:rPr lang="en-US" dirty="0"/>
+                        <a:t>Flag 3</a:t>
+                      </a:r>
+                    </a:p>
+                  </a:txBody>
+                  <a:tcPr>
+                    <a:solidFill>
+                      <a:schemeClr val="accent6">
+                        <a:lumMod val="40000"/>
+                        <a:lumOff val="60000"/>
+                      </a:schemeClr>
+                    </a:solidFill>
+                  </a:tcPr>
+                </a:tc>
+                <a:tc>
+                  <a:txBody>
+                    <a:bodyPr/>
+                    <a:lstStyle/>
+                    <a:p>
+                      <a:pPr algn="ctr"/>
+                      <a:r>
+                        <a:rPr lang="en-US" dirty="0"/>
+                        <a:t>Flag 4</a:t>
+                      </a:r>
+                    </a:p>
+                  </a:txBody>
+                  <a:tcPr>
+                    <a:solidFill>
+                      <a:schemeClr val="accent6">
+                        <a:lumMod val="40000"/>
+                        <a:lumOff val="60000"/>
+                      </a:schemeClr>
+                    </a:solidFill>
+                  </a:tcPr>
+                </a:tc>
+                <a:tc>
+                  <a:txBody>
+                    <a:bodyPr/>
+                    <a:lstStyle/>
+                    <a:p>
+                      <a:pPr algn="ctr"/>
+                      <a:r>
+                        <a:rPr lang="en-US" dirty="0"/>
+                        <a:t>Flag 5</a:t>
+                      </a:r>
+                    </a:p>
+                  </a:txBody>
+                  <a:tcPr>
+                    <a:solidFill>
+                      <a:schemeClr val="accent6">
+                        <a:lumMod val="40000"/>
+                        <a:lumOff val="60000"/>
+                      </a:schemeClr>
+                    </a:solidFill>
+                  </a:tcPr>
+                </a:tc>
+                <a:tc>
+                  <a:txBody>
+                    <a:bodyPr/>
+                    <a:lstStyle/>
+                    <a:p>
+                      <a:pPr algn="ctr"/>
+                      <a:r>
+                        <a:rPr lang="en-US" dirty="0"/>
+                        <a:t>Flag 6</a:t>
+                      </a:r>
+                    </a:p>
+                  </a:txBody>
+                  <a:tcPr>
+                    <a:solidFill>
+                      <a:schemeClr val="accent6">
+                        <a:lumMod val="40000"/>
+                        <a:lumOff val="60000"/>
+                      </a:schemeClr>
+                    </a:solidFill>
+                  </a:tcPr>
+                </a:tc>
+                <a:tc>
+                  <a:txBody>
+                    <a:bodyPr/>
+                    <a:lstStyle/>
+                    <a:p>
+                      <a:pPr algn="ctr"/>
+                      <a:r>
+                        <a:rPr lang="en-US" dirty="0"/>
+                        <a:t>Flag 8</a:t>
+                      </a:r>
+                    </a:p>
+                  </a:txBody>
+                  <a:tcPr>
+                    <a:solidFill>
+                      <a:schemeClr val="accent6">
+                        <a:lumMod val="40000"/>
+                        <a:lumOff val="60000"/>
+                      </a:schemeClr>
+                    </a:solidFill>
+                  </a:tcPr>
+                </a:tc>
+                <a:extLst>
+                  <a:ext uri="{0D108BD9-81ED-4DB2-BD59-A6C34878D82A}">
+                    <a16:rowId xmlns:a16="http://schemas.microsoft.com/office/drawing/2014/main" val="2080852101"/>
+                  </a:ext>
+                </a:extLst>
+              </a:tr>
+              <a:tr h="370840">
+                <a:tc>
+                  <a:txBody>
+                    <a:bodyPr/>
+                    <a:lstStyle/>
+                    <a:p>
+                      <a:pPr algn="ctr"/>
+                      <a:r>
+                        <a:rPr lang="en-US" dirty="0"/>
+                        <a:t>Det. 0</a:t>
+                      </a:r>
+                    </a:p>
+                  </a:txBody>
+                  <a:tcPr>
+                    <a:solidFill>
+                      <a:schemeClr val="accent4">
+                        <a:lumMod val="40000"/>
+                        <a:lumOff val="60000"/>
+                      </a:schemeClr>
+                    </a:solidFill>
+                  </a:tcPr>
+                </a:tc>
+                <a:tc>
+                  <a:txBody>
+                    <a:bodyPr/>
+                    <a:lstStyle/>
+                    <a:p>
+                      <a:pPr algn="ctr"/>
+                      <a:r>
+                        <a:rPr lang="en-US" dirty="0"/>
+                        <a:t>147</a:t>
+                      </a:r>
+                    </a:p>
+                  </a:txBody>
+                  <a:tcPr/>
+                </a:tc>
+                <a:tc>
+                  <a:txBody>
+                    <a:bodyPr/>
+                    <a:lstStyle/>
+                    <a:p>
+                      <a:pPr algn="ctr"/>
+                      <a:r>
+                        <a:rPr lang="en-US" dirty="0"/>
+                        <a:t>548</a:t>
+                      </a:r>
+                    </a:p>
+                  </a:txBody>
+                  <a:tcPr/>
+                </a:tc>
+                <a:tc>
+                  <a:txBody>
+                    <a:bodyPr/>
+                    <a:lstStyle/>
+                    <a:p>
+                      <a:pPr algn="ctr"/>
+                      <a:r>
+                        <a:rPr lang="en-US" dirty="0"/>
+                        <a:t>175</a:t>
+                      </a:r>
+                    </a:p>
+                  </a:txBody>
+                  <a:tcPr/>
+                </a:tc>
+                <a:tc>
+                  <a:txBody>
+                    <a:bodyPr/>
+                    <a:lstStyle/>
+                    <a:p>
+                      <a:pPr algn="ctr"/>
+                      <a:r>
+                        <a:rPr lang="en-US" dirty="0"/>
+                        <a:t>369</a:t>
+                      </a:r>
+                    </a:p>
+                  </a:txBody>
+                  <a:tcPr/>
+                </a:tc>
+                <a:tc>
+                  <a:txBody>
+                    <a:bodyPr/>
+                    <a:lstStyle/>
+                    <a:p>
+                      <a:pPr algn="ctr"/>
+                      <a:r>
+                        <a:rPr lang="en-US" dirty="0"/>
+                        <a:t>417</a:t>
+                      </a:r>
+                    </a:p>
+                  </a:txBody>
+                  <a:tcPr/>
+                </a:tc>
+                <a:tc>
+                  <a:txBody>
+                    <a:bodyPr/>
+                    <a:lstStyle/>
+                    <a:p>
+                      <a:pPr algn="ctr"/>
+                      <a:r>
+                        <a:rPr lang="en-US" dirty="0"/>
+                        <a:t>0</a:t>
+                      </a:r>
+                    </a:p>
+                  </a:txBody>
+                  <a:tcPr/>
+                </a:tc>
+                <a:tc>
+                  <a:txBody>
+                    <a:bodyPr/>
+                    <a:lstStyle/>
+                    <a:p>
+                      <a:pPr algn="ctr"/>
+                      <a:r>
+                        <a:rPr lang="en-US" dirty="0"/>
+                        <a:t>50</a:t>
+                      </a:r>
+                    </a:p>
+                  </a:txBody>
+                  <a:tcPr/>
+                </a:tc>
+                <a:tc>
+                  <a:txBody>
+                    <a:bodyPr/>
+                    <a:lstStyle/>
+                    <a:p>
+                      <a:pPr algn="ctr"/>
+                      <a:r>
+                        <a:rPr lang="en-US" dirty="0"/>
+                        <a:t>410</a:t>
+                      </a:r>
+                    </a:p>
+                  </a:txBody>
+                  <a:tcPr/>
+                </a:tc>
+                <a:tc>
+                  <a:txBody>
+                    <a:bodyPr/>
+                    <a:lstStyle/>
+                    <a:p>
+                      <a:pPr algn="ctr"/>
+                      <a:r>
+                        <a:rPr lang="en-US" dirty="0"/>
+                        <a:t>383</a:t>
+                      </a:r>
+                    </a:p>
+                  </a:txBody>
+                  <a:tcPr/>
+                </a:tc>
+                <a:tc>
+                  <a:txBody>
+                    <a:bodyPr/>
+                    <a:lstStyle/>
+                    <a:p>
+                      <a:pPr algn="ctr"/>
+                      <a:r>
+                        <a:rPr lang="en-US" dirty="0"/>
+                        <a:t>0</a:t>
+                      </a:r>
+                    </a:p>
+                  </a:txBody>
+                  <a:tcPr/>
+                </a:tc>
+                <a:extLst>
+                  <a:ext uri="{0D108BD9-81ED-4DB2-BD59-A6C34878D82A}">
+                    <a16:rowId xmlns:a16="http://schemas.microsoft.com/office/drawing/2014/main" val="2486406851"/>
+                  </a:ext>
+                </a:extLst>
+              </a:tr>
+              <a:tr h="370840">
+                <a:tc>
+                  <a:txBody>
+                    <a:bodyPr/>
+                    <a:lstStyle/>
+                    <a:p>
+                      <a:pPr algn="ctr"/>
+                      <a:r>
+                        <a:rPr lang="en-US" dirty="0"/>
+                        <a:t>Det. 2</a:t>
+                      </a:r>
+                    </a:p>
+                  </a:txBody>
+                  <a:tcPr>
+                    <a:solidFill>
+                      <a:schemeClr val="accent4">
+                        <a:lumMod val="40000"/>
+                        <a:lumOff val="60000"/>
+                      </a:schemeClr>
+                    </a:solidFill>
+                  </a:tcPr>
+                </a:tc>
+                <a:tc>
+                  <a:txBody>
+                    <a:bodyPr/>
+                    <a:lstStyle/>
+                    <a:p>
+                      <a:pPr algn="ctr"/>
+                      <a:r>
+                        <a:rPr lang="en-US" dirty="0"/>
+                        <a:t>195</a:t>
+                      </a:r>
+                    </a:p>
+                  </a:txBody>
+                  <a:tcPr/>
+                </a:tc>
+                <a:tc>
+                  <a:txBody>
+                    <a:bodyPr/>
+                    <a:lstStyle/>
+                    <a:p>
+                      <a:pPr algn="ctr"/>
+                      <a:r>
+                        <a:rPr lang="en-US" dirty="0"/>
+                        <a:t>433</a:t>
+                      </a:r>
+                    </a:p>
+                  </a:txBody>
+                  <a:tcPr/>
+                </a:tc>
+                <a:tc>
+                  <a:txBody>
+                    <a:bodyPr/>
+                    <a:lstStyle/>
+                    <a:p>
+                      <a:pPr algn="ctr"/>
+                      <a:r>
+                        <a:rPr lang="en-US" dirty="0"/>
+                        <a:t>110</a:t>
+                      </a:r>
+                    </a:p>
+                  </a:txBody>
+                  <a:tcPr/>
+                </a:tc>
+                <a:tc>
+                  <a:txBody>
+                    <a:bodyPr/>
+                    <a:lstStyle/>
+                    <a:p>
+                      <a:pPr algn="ctr"/>
+                      <a:r>
+                        <a:rPr lang="en-US" dirty="0"/>
+                        <a:t>262</a:t>
+                      </a:r>
+                    </a:p>
+                  </a:txBody>
+                  <a:tcPr/>
+                </a:tc>
+                <a:tc>
+                  <a:txBody>
+                    <a:bodyPr/>
+                    <a:lstStyle/>
+                    <a:p>
+                      <a:pPr algn="ctr"/>
+                      <a:r>
+                        <a:rPr lang="en-US" dirty="0"/>
+                        <a:t>357</a:t>
+                      </a:r>
+                    </a:p>
+                  </a:txBody>
+                  <a:tcPr/>
+                </a:tc>
+                <a:tc>
+                  <a:txBody>
+                    <a:bodyPr/>
+                    <a:lstStyle/>
+                    <a:p>
+                      <a:pPr algn="ctr"/>
+                      <a:r>
+                        <a:rPr lang="en-US" dirty="0"/>
+                        <a:t>0</a:t>
+                      </a:r>
+                    </a:p>
+                  </a:txBody>
+                  <a:tcPr/>
+                </a:tc>
+                <a:tc>
+                  <a:txBody>
+                    <a:bodyPr/>
+                    <a:lstStyle/>
+                    <a:p>
+                      <a:pPr algn="ctr"/>
+                      <a:r>
+                        <a:rPr lang="en-US" dirty="0"/>
+                        <a:t>24</a:t>
+                      </a:r>
+                    </a:p>
+                  </a:txBody>
+                  <a:tcPr/>
+                </a:tc>
+                <a:tc>
+                  <a:txBody>
+                    <a:bodyPr/>
+                    <a:lstStyle/>
+                    <a:p>
+                      <a:pPr algn="ctr"/>
+                      <a:r>
+                        <a:rPr lang="en-US" dirty="0"/>
+                        <a:t>292</a:t>
+                      </a:r>
+                    </a:p>
+                  </a:txBody>
+                  <a:tcPr/>
+                </a:tc>
+                <a:tc>
+                  <a:txBody>
+                    <a:bodyPr/>
+                    <a:lstStyle/>
+                    <a:p>
+                      <a:pPr algn="ctr"/>
+                      <a:r>
+                        <a:rPr lang="en-US" dirty="0"/>
+                        <a:t>244</a:t>
+                      </a:r>
+                    </a:p>
+                  </a:txBody>
+                  <a:tcPr/>
+                </a:tc>
+                <a:tc>
+                  <a:txBody>
+                    <a:bodyPr/>
+                    <a:lstStyle/>
+                    <a:p>
+                      <a:pPr algn="ctr"/>
+                      <a:r>
+                        <a:rPr lang="en-US" dirty="0"/>
+                        <a:t>0</a:t>
+                      </a:r>
+                    </a:p>
+                  </a:txBody>
+                  <a:tcPr/>
+                </a:tc>
+                <a:extLst>
+                  <a:ext uri="{0D108BD9-81ED-4DB2-BD59-A6C34878D82A}">
+                    <a16:rowId xmlns:a16="http://schemas.microsoft.com/office/drawing/2014/main" val="2253196066"/>
+                  </a:ext>
+                </a:extLst>
+              </a:tr>
+              <a:tr h="370840">
+                <a:tc>
+                  <a:txBody>
+                    <a:bodyPr/>
+                    <a:lstStyle/>
+                    <a:p>
+                      <a:pPr algn="ctr"/>
+                      <a:r>
+                        <a:rPr lang="en-US" dirty="0"/>
+                        <a:t>Det. 4</a:t>
+                      </a:r>
+                    </a:p>
+                  </a:txBody>
+                  <a:tcPr>
+                    <a:solidFill>
+                      <a:schemeClr val="accent4">
+                        <a:lumMod val="40000"/>
+                        <a:lumOff val="60000"/>
+                      </a:schemeClr>
+                    </a:solidFill>
+                  </a:tcPr>
+                </a:tc>
+                <a:tc>
+                  <a:txBody>
+                    <a:bodyPr/>
+                    <a:lstStyle/>
+                    <a:p>
+                      <a:pPr algn="ctr"/>
+                      <a:r>
+                        <a:rPr lang="en-US" dirty="0"/>
+                        <a:t>165</a:t>
+                      </a:r>
+                    </a:p>
+                  </a:txBody>
+                  <a:tcPr/>
+                </a:tc>
+                <a:tc>
+                  <a:txBody>
+                    <a:bodyPr/>
+                    <a:lstStyle/>
+                    <a:p>
+                      <a:pPr algn="ctr"/>
+                      <a:r>
+                        <a:rPr lang="en-US" dirty="0"/>
+                        <a:t>300</a:t>
+                      </a:r>
+                    </a:p>
+                  </a:txBody>
+                  <a:tcPr/>
+                </a:tc>
+                <a:tc>
+                  <a:txBody>
+                    <a:bodyPr/>
+                    <a:lstStyle/>
+                    <a:p>
+                      <a:pPr algn="ctr"/>
+                      <a:r>
+                        <a:rPr lang="en-US" dirty="0"/>
+                        <a:t>40</a:t>
+                      </a:r>
+                    </a:p>
+                  </a:txBody>
+                  <a:tcPr/>
+                </a:tc>
+                <a:tc>
+                  <a:txBody>
+                    <a:bodyPr/>
+                    <a:lstStyle/>
+                    <a:p>
+                      <a:pPr algn="ctr"/>
+                      <a:r>
+                        <a:rPr lang="en-US" dirty="0"/>
+                        <a:t>128</a:t>
+                      </a:r>
+                    </a:p>
+                  </a:txBody>
+                  <a:tcPr/>
+                </a:tc>
+                <a:tc>
+                  <a:txBody>
+                    <a:bodyPr/>
+                    <a:lstStyle/>
+                    <a:p>
+                      <a:pPr algn="ctr"/>
+                      <a:r>
+                        <a:rPr lang="en-US" dirty="0"/>
+                        <a:t>230</a:t>
+                      </a:r>
+                    </a:p>
+                  </a:txBody>
+                  <a:tcPr/>
+                </a:tc>
+                <a:tc>
+                  <a:txBody>
+                    <a:bodyPr/>
+                    <a:lstStyle/>
+                    <a:p>
+                      <a:pPr algn="ctr"/>
+                      <a:r>
+                        <a:rPr lang="en-US" dirty="0"/>
+                        <a:t>0</a:t>
+                      </a:r>
+                    </a:p>
+                  </a:txBody>
+                  <a:tcPr/>
+                </a:tc>
+                <a:tc>
+                  <a:txBody>
+                    <a:bodyPr/>
+                    <a:lstStyle/>
+                    <a:p>
+                      <a:pPr algn="ctr"/>
+                      <a:r>
+                        <a:rPr lang="en-US" dirty="0"/>
+                        <a:t>15</a:t>
+                      </a:r>
+                    </a:p>
+                  </a:txBody>
+                  <a:tcPr/>
+                </a:tc>
+                <a:tc>
+                  <a:txBody>
+                    <a:bodyPr/>
+                    <a:lstStyle/>
+                    <a:p>
+                      <a:pPr algn="ctr"/>
+                      <a:r>
+                        <a:rPr lang="en-US" dirty="0"/>
+                        <a:t>168</a:t>
+                      </a:r>
+                    </a:p>
+                  </a:txBody>
+                  <a:tcPr/>
+                </a:tc>
+                <a:tc>
+                  <a:txBody>
+                    <a:bodyPr/>
+                    <a:lstStyle/>
+                    <a:p>
+                      <a:pPr algn="ctr"/>
+                      <a:r>
+                        <a:rPr lang="en-US" dirty="0"/>
+                        <a:t>129</a:t>
+                      </a:r>
+                    </a:p>
+                  </a:txBody>
+                  <a:tcPr/>
+                </a:tc>
+                <a:tc>
+                  <a:txBody>
+                    <a:bodyPr/>
+                    <a:lstStyle/>
+                    <a:p>
+                      <a:pPr algn="ctr"/>
+                      <a:r>
+                        <a:rPr lang="en-US" dirty="0"/>
+                        <a:t>0</a:t>
+                      </a:r>
+                    </a:p>
+                  </a:txBody>
+                  <a:tcPr/>
+                </a:tc>
+                <a:extLst>
+                  <a:ext uri="{0D108BD9-81ED-4DB2-BD59-A6C34878D82A}">
+                    <a16:rowId xmlns:a16="http://schemas.microsoft.com/office/drawing/2014/main" val="280765022"/>
+                  </a:ext>
+                </a:extLst>
+              </a:tr>
+              <a:tr h="370840">
+                <a:tc>
+                  <a:txBody>
+                    <a:bodyPr/>
+                    <a:lstStyle/>
+                    <a:p>
+                      <a:pPr algn="ctr"/>
+                      <a:r>
+                        <a:rPr lang="en-US" dirty="0"/>
+                        <a:t>Det. 6</a:t>
+                      </a:r>
+                    </a:p>
+                  </a:txBody>
+                  <a:tcPr>
+                    <a:solidFill>
+                      <a:schemeClr val="accent4">
+                        <a:lumMod val="40000"/>
+                        <a:lumOff val="60000"/>
+                      </a:schemeClr>
+                    </a:solidFill>
+                  </a:tcPr>
+                </a:tc>
+                <a:tc>
+                  <a:txBody>
+                    <a:bodyPr/>
+                    <a:lstStyle/>
+                    <a:p>
+                      <a:pPr algn="ctr"/>
+                      <a:r>
+                        <a:rPr lang="en-US" dirty="0"/>
+                        <a:t>91509</a:t>
+                      </a:r>
+                    </a:p>
+                  </a:txBody>
+                  <a:tcPr/>
+                </a:tc>
+                <a:tc>
+                  <a:txBody>
+                    <a:bodyPr/>
+                    <a:lstStyle/>
+                    <a:p>
+                      <a:pPr algn="ctr"/>
+                      <a:r>
+                        <a:rPr lang="en-US" dirty="0"/>
+                        <a:t>55672</a:t>
+                      </a:r>
+                    </a:p>
+                  </a:txBody>
+                  <a:tcPr/>
+                </a:tc>
+                <a:tc>
+                  <a:txBody>
+                    <a:bodyPr/>
+                    <a:lstStyle/>
+                    <a:p>
+                      <a:pPr algn="ctr"/>
+                      <a:r>
+                        <a:rPr lang="en-US" dirty="0"/>
+                        <a:t>7367</a:t>
+                      </a:r>
+                    </a:p>
+                  </a:txBody>
+                  <a:tcPr/>
+                </a:tc>
+                <a:tc>
+                  <a:txBody>
+                    <a:bodyPr/>
+                    <a:lstStyle/>
+                    <a:p>
+                      <a:pPr algn="ctr"/>
+                      <a:r>
+                        <a:rPr lang="en-US" dirty="0"/>
+                        <a:t>6746</a:t>
+                      </a:r>
+                    </a:p>
+                  </a:txBody>
+                  <a:tcPr/>
+                </a:tc>
+                <a:tc>
+                  <a:txBody>
+                    <a:bodyPr/>
+                    <a:lstStyle/>
+                    <a:p>
+                      <a:pPr algn="ctr"/>
+                      <a:r>
+                        <a:rPr lang="en-US" dirty="0"/>
+                        <a:t>23129</a:t>
+                      </a:r>
+                    </a:p>
+                  </a:txBody>
+                  <a:tcPr/>
+                </a:tc>
+                <a:tc>
+                  <a:txBody>
+                    <a:bodyPr/>
+                    <a:lstStyle/>
+                    <a:p>
+                      <a:pPr algn="ctr"/>
+                      <a:r>
+                        <a:rPr lang="en-US" dirty="0"/>
+                        <a:t>0</a:t>
+                      </a:r>
+                    </a:p>
+                  </a:txBody>
+                  <a:tcPr/>
+                </a:tc>
+                <a:tc>
+                  <a:txBody>
+                    <a:bodyPr/>
+                    <a:lstStyle/>
+                    <a:p>
+                      <a:pPr algn="ctr"/>
+                      <a:r>
+                        <a:rPr lang="en-US" dirty="0"/>
+                        <a:t>5394</a:t>
+                      </a:r>
+                    </a:p>
+                  </a:txBody>
+                  <a:tcPr/>
+                </a:tc>
+                <a:tc>
+                  <a:txBody>
+                    <a:bodyPr/>
+                    <a:lstStyle/>
+                    <a:p>
+                      <a:pPr algn="ctr"/>
+                      <a:r>
+                        <a:rPr lang="en-US" dirty="0"/>
+                        <a:t>26512</a:t>
+                      </a:r>
+                    </a:p>
+                  </a:txBody>
+                  <a:tcPr/>
+                </a:tc>
+                <a:tc>
+                  <a:txBody>
+                    <a:bodyPr/>
+                    <a:lstStyle/>
+                    <a:p>
+                      <a:pPr algn="ctr"/>
+                      <a:r>
+                        <a:rPr lang="en-US" dirty="0"/>
+                        <a:t>18715</a:t>
+                      </a:r>
+                    </a:p>
+                  </a:txBody>
+                  <a:tcPr/>
+                </a:tc>
+                <a:tc>
+                  <a:txBody>
+                    <a:bodyPr/>
+                    <a:lstStyle/>
+                    <a:p>
+                      <a:pPr algn="ctr"/>
+                      <a:r>
+                        <a:rPr lang="en-US" dirty="0"/>
+                        <a:t>0</a:t>
+                      </a:r>
+                    </a:p>
+                  </a:txBody>
+                  <a:tcPr/>
+                </a:tc>
+                <a:extLst>
+                  <a:ext uri="{0D108BD9-81ED-4DB2-BD59-A6C34878D82A}">
+                    <a16:rowId xmlns:a16="http://schemas.microsoft.com/office/drawing/2014/main" val="2572472712"/>
+                  </a:ext>
+                </a:extLst>
+              </a:tr>
+            </a:tbl>
+          </a:graphicData>
+        </a:graphic>
+      </p:graphicFrame>
     </p:spTree>
     <p:extLst>
       <p:ext uri="{BB962C8B-B14F-4D97-AF65-F5344CB8AC3E}">
-        <p14:creationId xmlns:p14="http://schemas.microsoft.com/office/powerpoint/2010/main" val="3961129107"/>
+        <p14:creationId xmlns:p14="http://schemas.microsoft.com/office/powerpoint/2010/main" val="50654153"/>
       </p:ext>
     </p:extLst>
   </p:cSld>
@@ -5434,7 +6698,7 @@
           <a:p>
             <a:r>
               <a:rPr lang="en-US" dirty="0"/>
-              <a:t>Target 4</a:t>
+              <a:t>Target 1</a:t>
             </a:r>
           </a:p>
         </p:txBody>
@@ -5442,7 +6706,7 @@
     </p:spTree>
     <p:extLst>
       <p:ext uri="{BB962C8B-B14F-4D97-AF65-F5344CB8AC3E}">
-        <p14:creationId xmlns:p14="http://schemas.microsoft.com/office/powerpoint/2010/main" val="3304008923"/>
+        <p14:creationId xmlns:p14="http://schemas.microsoft.com/office/powerpoint/2010/main" val="3961129107"/>
       </p:ext>
     </p:extLst>
   </p:cSld>
@@ -5494,7 +6758,7 @@
               <a:rPr lang="en-US" dirty="0">
                 <a:latin typeface="Bahnschrift" panose="020B0502040204020203" pitchFamily="34" charset="0"/>
               </a:rPr>
-              <a:t>Silicon “images” in payload coordinates</a:t>
+              <a:t>Silicon images in detector coordinates</a:t>
             </a:r>
             <a:br>
               <a:rPr lang="en-US" dirty="0">
@@ -5684,7 +6948,7 @@
           <a:p>
             <a:r>
               <a:rPr lang="en-US" dirty="0"/>
-              <a:t>Target 1</a:t>
+              <a:t>Target 4</a:t>
             </a:r>
           </a:p>
         </p:txBody>
@@ -5692,7 +6956,7 @@
     </p:spTree>
     <p:extLst>
       <p:ext uri="{BB962C8B-B14F-4D97-AF65-F5344CB8AC3E}">
-        <p14:creationId xmlns:p14="http://schemas.microsoft.com/office/powerpoint/2010/main" val="2500511367"/>
+        <p14:creationId xmlns:p14="http://schemas.microsoft.com/office/powerpoint/2010/main" val="3304008923"/>
       </p:ext>
     </p:extLst>
   </p:cSld>
@@ -5942,7 +7206,7 @@
     </p:spTree>
     <p:extLst>
       <p:ext uri="{BB962C8B-B14F-4D97-AF65-F5344CB8AC3E}">
-        <p14:creationId xmlns:p14="http://schemas.microsoft.com/office/powerpoint/2010/main" val="1541447762"/>
+        <p14:creationId xmlns:p14="http://schemas.microsoft.com/office/powerpoint/2010/main" val="2500511367"/>
       </p:ext>
     </p:extLst>
   </p:cSld>
@@ -5974,7 +7238,7 @@
           <p:cNvPr id="2" name="Title 1">
             <a:extLst>
               <a:ext uri="{FF2B5EF4-FFF2-40B4-BE49-F238E27FC236}">
-                <a16:creationId xmlns:a16="http://schemas.microsoft.com/office/drawing/2014/main" id="{21776CFF-A234-4DBD-B7CA-629F71236090}"/>
+                <a16:creationId xmlns:a16="http://schemas.microsoft.com/office/drawing/2014/main" id="{50733B5F-CF6A-4708-AF27-CFE2A01F89A7}"/>
               </a:ext>
             </a:extLst>
           </p:cNvPr>
@@ -5994,17 +7258,172 @@
               <a:rPr lang="en-US" dirty="0">
                 <a:latin typeface="Bahnschrift" panose="020B0502040204020203" pitchFamily="34" charset="0"/>
               </a:rPr>
-              <a:t>Next steps for active region analysis</a:t>
-            </a:r>
-          </a:p>
-        </p:txBody>
-      </p:sp>
-      <p:sp>
-        <p:nvSpPr>
-          <p:cNvPr id="3" name="TextBox 2">
-            <a:extLst>
-              <a:ext uri="{FF2B5EF4-FFF2-40B4-BE49-F238E27FC236}">
-                <a16:creationId xmlns:a16="http://schemas.microsoft.com/office/drawing/2014/main" id="{5F678A54-4FDC-4941-89DC-AB931E599E5B}"/>
+              <a:t>Silicon “images” in payload coordinates</a:t>
+            </a:r>
+            <a:br>
+              <a:rPr lang="en-US" dirty="0">
+                <a:latin typeface="Bahnschrift" panose="020B0502040204020203" pitchFamily="34" charset="0"/>
+              </a:rPr>
+            </a:br>
+            <a:r>
+              <a:rPr lang="en-US" dirty="0">
+                <a:latin typeface="Bahnschrift" panose="020B0502040204020203" pitchFamily="34" charset="0"/>
+              </a:rPr>
+              <a:t>With level1 data</a:t>
+            </a:r>
+          </a:p>
+        </p:txBody>
+      </p:sp>
+      <p:pic>
+        <p:nvPicPr>
+          <p:cNvPr id="4" name="Picture 3">
+            <a:extLst>
+              <a:ext uri="{FF2B5EF4-FFF2-40B4-BE49-F238E27FC236}">
+                <a16:creationId xmlns:a16="http://schemas.microsoft.com/office/drawing/2014/main" id="{F72C3A70-D8B5-401E-9CAB-50B3BF040B9F}"/>
+              </a:ext>
+            </a:extLst>
+          </p:cNvPr>
+          <p:cNvPicPr>
+            <a:picLocks noChangeAspect="1"/>
+          </p:cNvPicPr>
+          <p:nvPr/>
+        </p:nvPicPr>
+        <p:blipFill>
+          <a:blip r:embed="rId2">
+            <a:extLst>
+              <a:ext uri="{28A0092B-C50C-407E-A947-70E740481C1C}">
+                <a14:useLocalDpi xmlns:a14="http://schemas.microsoft.com/office/drawing/2010/main" val="0"/>
+              </a:ext>
+            </a:extLst>
+          </a:blip>
+          <a:stretch>
+            <a:fillRect/>
+          </a:stretch>
+        </p:blipFill>
+        <p:spPr>
+          <a:xfrm>
+            <a:off x="3013866" y="2797827"/>
+            <a:ext cx="3017520" cy="3017520"/>
+          </a:xfrm>
+          <a:prstGeom prst="rect">
+            <a:avLst/>
+          </a:prstGeom>
+        </p:spPr>
+      </p:pic>
+      <p:pic>
+        <p:nvPicPr>
+          <p:cNvPr id="6" name="Picture 5">
+            <a:extLst>
+              <a:ext uri="{FF2B5EF4-FFF2-40B4-BE49-F238E27FC236}">
+                <a16:creationId xmlns:a16="http://schemas.microsoft.com/office/drawing/2014/main" id="{2DB4C252-7F4E-4C4D-A9AC-4DCF41056B06}"/>
+              </a:ext>
+            </a:extLst>
+          </p:cNvPr>
+          <p:cNvPicPr>
+            <a:picLocks noChangeAspect="1"/>
+          </p:cNvPicPr>
+          <p:nvPr/>
+        </p:nvPicPr>
+        <p:blipFill>
+          <a:blip r:embed="rId3">
+            <a:extLst>
+              <a:ext uri="{28A0092B-C50C-407E-A947-70E740481C1C}">
+                <a14:useLocalDpi xmlns:a14="http://schemas.microsoft.com/office/drawing/2010/main" val="0"/>
+              </a:ext>
+            </a:extLst>
+          </a:blip>
+          <a:stretch>
+            <a:fillRect/>
+          </a:stretch>
+        </p:blipFill>
+        <p:spPr>
+          <a:xfrm>
+            <a:off x="107812" y="2797827"/>
+            <a:ext cx="3017520" cy="3017520"/>
+          </a:xfrm>
+          <a:prstGeom prst="rect">
+            <a:avLst/>
+          </a:prstGeom>
+        </p:spPr>
+      </p:pic>
+      <p:pic>
+        <p:nvPicPr>
+          <p:cNvPr id="8" name="Picture 7">
+            <a:extLst>
+              <a:ext uri="{FF2B5EF4-FFF2-40B4-BE49-F238E27FC236}">
+                <a16:creationId xmlns:a16="http://schemas.microsoft.com/office/drawing/2014/main" id="{DCF20D51-C6AD-4532-8C8C-6EDB9ACF2E50}"/>
+              </a:ext>
+            </a:extLst>
+          </p:cNvPr>
+          <p:cNvPicPr>
+            <a:picLocks noChangeAspect="1"/>
+          </p:cNvPicPr>
+          <p:nvPr/>
+        </p:nvPicPr>
+        <p:blipFill>
+          <a:blip r:embed="rId4">
+            <a:extLst>
+              <a:ext uri="{28A0092B-C50C-407E-A947-70E740481C1C}">
+                <a14:useLocalDpi xmlns:a14="http://schemas.microsoft.com/office/drawing/2010/main" val="0"/>
+              </a:ext>
+            </a:extLst>
+          </a:blip>
+          <a:stretch>
+            <a:fillRect/>
+          </a:stretch>
+        </p:blipFill>
+        <p:spPr>
+          <a:xfrm>
+            <a:off x="5961365" y="2797827"/>
+            <a:ext cx="3017520" cy="3017520"/>
+          </a:xfrm>
+          <a:prstGeom prst="rect">
+            <a:avLst/>
+          </a:prstGeom>
+        </p:spPr>
+      </p:pic>
+      <p:pic>
+        <p:nvPicPr>
+          <p:cNvPr id="10" name="Picture 9">
+            <a:extLst>
+              <a:ext uri="{FF2B5EF4-FFF2-40B4-BE49-F238E27FC236}">
+                <a16:creationId xmlns:a16="http://schemas.microsoft.com/office/drawing/2014/main" id="{818F6E43-6BC8-4692-8399-9E60B52F753E}"/>
+              </a:ext>
+            </a:extLst>
+          </p:cNvPr>
+          <p:cNvPicPr>
+            <a:picLocks noChangeAspect="1"/>
+          </p:cNvPicPr>
+          <p:nvPr/>
+        </p:nvPicPr>
+        <p:blipFill>
+          <a:blip r:embed="rId5">
+            <a:extLst>
+              <a:ext uri="{28A0092B-C50C-407E-A947-70E740481C1C}">
+                <a14:useLocalDpi xmlns:a14="http://schemas.microsoft.com/office/drawing/2010/main" val="0"/>
+              </a:ext>
+            </a:extLst>
+          </a:blip>
+          <a:stretch>
+            <a:fillRect/>
+          </a:stretch>
+        </p:blipFill>
+        <p:spPr>
+          <a:xfrm>
+            <a:off x="8867419" y="2797827"/>
+            <a:ext cx="3017520" cy="3017520"/>
+          </a:xfrm>
+          <a:prstGeom prst="rect">
+            <a:avLst/>
+          </a:prstGeom>
+        </p:spPr>
+      </p:pic>
+      <p:sp>
+        <p:nvSpPr>
+          <p:cNvPr id="11" name="TextBox 10">
+            <a:extLst>
+              <a:ext uri="{FF2B5EF4-FFF2-40B4-BE49-F238E27FC236}">
+                <a16:creationId xmlns:a16="http://schemas.microsoft.com/office/drawing/2014/main" id="{477958B9-6E1C-40ED-89C5-29FBCF7BC1E1}"/>
               </a:ext>
             </a:extLst>
           </p:cNvPr>
@@ -6013,8 +7432,8 @@
         </p:nvSpPr>
         <p:spPr>
           <a:xfrm>
-            <a:off x="1044388" y="1833282"/>
-            <a:ext cx="10298589" cy="4247317"/>
+            <a:off x="1219200" y="2236694"/>
+            <a:ext cx="934615" cy="369332"/>
           </a:xfrm>
           <a:prstGeom prst="rect">
             <a:avLst/>
@@ -6028,265 +7447,260 @@
           <a:lstStyle/>
           <a:p>
             <a:r>
-              <a:rPr lang="en-US" b="1" dirty="0"/>
-              <a:t>Immediate next steps for images:</a:t>
-            </a:r>
-          </a:p>
-          <a:p>
-            <a:endParaRPr lang="en-US" dirty="0"/>
-          </a:p>
-          <a:p>
-            <a:pPr marL="285750" indent="-285750">
-              <a:buFont typeface="Arial" panose="020B0604020202020204" pitchFamily="34" charset="0"/>
-              <a:buChar char="•"/>
-            </a:pPr>
-            <a:r>
               <a:rPr lang="en-US" dirty="0"/>
-              <a:t>Check what are the error flags to know what are the sources of “bad” events </a:t>
-            </a:r>
-            <a:r>
-              <a:rPr lang="en-US" i="1" dirty="0">
-                <a:solidFill>
-                  <a:schemeClr val="bg1">
-                    <a:lumMod val="65000"/>
-                  </a:schemeClr>
-                </a:solidFill>
-              </a:rPr>
-              <a:t>(Sophie)</a:t>
-            </a:r>
-            <a:endParaRPr lang="en-US" dirty="0"/>
-          </a:p>
-          <a:p>
-            <a:pPr marL="285750" indent="-285750">
-              <a:buFont typeface="Arial" panose="020B0604020202020204" pitchFamily="34" charset="0"/>
-              <a:buChar char="•"/>
-            </a:pPr>
-            <a:r>
-              <a:rPr lang="en-US" dirty="0"/>
-              <a:t>Try to ignore noisy strips in det 6 data… other ideas? </a:t>
-            </a:r>
-            <a:r>
-              <a:rPr lang="en-US" i="1" dirty="0">
-                <a:solidFill>
-                  <a:schemeClr val="bg1">
-                    <a:lumMod val="65000"/>
-                  </a:schemeClr>
-                </a:solidFill>
-              </a:rPr>
-              <a:t>(Sophie)</a:t>
-            </a:r>
-          </a:p>
-          <a:p>
-            <a:pPr marL="285750" indent="-285750">
-              <a:buFont typeface="Arial" panose="020B0604020202020204" pitchFamily="34" charset="0"/>
-              <a:buChar char="•"/>
-            </a:pPr>
-            <a:r>
-              <a:rPr lang="en-US" dirty="0"/>
-              <a:t>Do the same kind of analysis for </a:t>
-            </a:r>
-            <a:r>
-              <a:rPr lang="en-US" dirty="0" err="1"/>
-              <a:t>CdTe</a:t>
-            </a:r>
-            <a:r>
-              <a:rPr lang="en-US" dirty="0"/>
-              <a:t> = need to check the level0 to level1 procedure + geometry </a:t>
-            </a:r>
-            <a:r>
-              <a:rPr lang="en-US" i="1" dirty="0">
-                <a:solidFill>
-                  <a:schemeClr val="bg1">
-                    <a:lumMod val="65000"/>
-                  </a:schemeClr>
-                </a:solidFill>
-              </a:rPr>
-              <a:t>(Sophie)</a:t>
-            </a:r>
-            <a:endParaRPr lang="en-US" dirty="0"/>
-          </a:p>
-          <a:p>
-            <a:pPr marL="285750" indent="-285750">
-              <a:buFont typeface="Arial" panose="020B0604020202020204" pitchFamily="34" charset="0"/>
-              <a:buChar char="•"/>
-            </a:pPr>
-            <a:r>
-              <a:rPr lang="en-US" dirty="0"/>
-              <a:t>Level 2 data </a:t>
-            </a:r>
-            <a:r>
-              <a:rPr lang="en-US" dirty="0">
-                <a:sym typeface="Wingdings" panose="05000000000000000000" pitchFamily="2" charset="2"/>
-              </a:rPr>
-              <a:t> We have to review our current energy calibration </a:t>
-            </a:r>
-            <a:r>
-              <a:rPr lang="en-US" i="1" dirty="0">
-                <a:solidFill>
-                  <a:schemeClr val="bg1">
-                    <a:lumMod val="65000"/>
-                  </a:schemeClr>
-                </a:solidFill>
-              </a:rPr>
-              <a:t>(Sophie and </a:t>
-            </a:r>
-            <a:r>
-              <a:rPr lang="en-US" i="1" dirty="0" err="1">
-                <a:solidFill>
-                  <a:schemeClr val="bg1">
-                    <a:lumMod val="65000"/>
-                  </a:schemeClr>
-                </a:solidFill>
-              </a:rPr>
-              <a:t>Athiray</a:t>
-            </a:r>
-            <a:r>
-              <a:rPr lang="en-US" i="1" dirty="0">
-                <a:solidFill>
-                  <a:schemeClr val="bg1">
-                    <a:lumMod val="65000"/>
-                  </a:schemeClr>
-                </a:solidFill>
-              </a:rPr>
-              <a:t>)</a:t>
-            </a:r>
-            <a:endParaRPr lang="en-US" dirty="0">
-              <a:sym typeface="Wingdings" panose="05000000000000000000" pitchFamily="2" charset="2"/>
-            </a:endParaRPr>
-          </a:p>
-          <a:p>
-            <a:pPr marL="285750" indent="-285750">
-              <a:buFont typeface="Arial" panose="020B0604020202020204" pitchFamily="34" charset="0"/>
-              <a:buChar char="•"/>
-            </a:pPr>
-            <a:endParaRPr lang="en-US" dirty="0">
-              <a:sym typeface="Wingdings" panose="05000000000000000000" pitchFamily="2" charset="2"/>
-            </a:endParaRPr>
-          </a:p>
-          <a:p>
-            <a:r>
-              <a:rPr lang="en-US" b="1" dirty="0">
-                <a:sym typeface="Wingdings" panose="05000000000000000000" pitchFamily="2" charset="2"/>
-              </a:rPr>
-              <a:t>Other next steps for images:</a:t>
-            </a:r>
-          </a:p>
-          <a:p>
-            <a:endParaRPr lang="en-US" dirty="0">
-              <a:sym typeface="Wingdings" panose="05000000000000000000" pitchFamily="2" charset="2"/>
-            </a:endParaRPr>
-          </a:p>
-          <a:p>
-            <a:pPr marL="285750" indent="-285750">
-              <a:buFont typeface="Arial" panose="020B0604020202020204" pitchFamily="34" charset="0"/>
-              <a:buChar char="•"/>
-            </a:pPr>
-            <a:r>
-              <a:rPr lang="en-US" dirty="0">
-                <a:sym typeface="Wingdings" panose="05000000000000000000" pitchFamily="2" charset="2"/>
-              </a:rPr>
-              <a:t>Use statistical analysis to say what is the probability that the counts are randomly distributed </a:t>
-            </a:r>
-            <a:r>
-              <a:rPr lang="en-US" i="1" dirty="0">
-                <a:solidFill>
-                  <a:schemeClr val="bg1">
-                    <a:lumMod val="65000"/>
-                  </a:schemeClr>
-                </a:solidFill>
-              </a:rPr>
-              <a:t>(Sophie)</a:t>
-            </a:r>
-            <a:endParaRPr lang="en-US" dirty="0">
-              <a:sym typeface="Wingdings" panose="05000000000000000000" pitchFamily="2" charset="2"/>
-            </a:endParaRPr>
-          </a:p>
-          <a:p>
-            <a:pPr marL="285750" indent="-285750">
-              <a:buFont typeface="Arial" panose="020B0604020202020204" pitchFamily="34" charset="0"/>
-              <a:buChar char="•"/>
-            </a:pPr>
-            <a:endParaRPr lang="en-US" dirty="0">
-              <a:sym typeface="Wingdings" panose="05000000000000000000" pitchFamily="2" charset="2"/>
-            </a:endParaRPr>
-          </a:p>
-          <a:p>
-            <a:r>
-              <a:rPr lang="en-US" b="1" dirty="0">
-                <a:sym typeface="Wingdings" panose="05000000000000000000" pitchFamily="2" charset="2"/>
-              </a:rPr>
-              <a:t>Other next steps for active region analysis:</a:t>
-            </a:r>
-          </a:p>
-          <a:p>
-            <a:pPr marL="285750" indent="-285750">
-              <a:buFont typeface="Arial" panose="020B0604020202020204" pitchFamily="34" charset="0"/>
-              <a:buChar char="•"/>
-            </a:pPr>
-            <a:endParaRPr lang="en-US" dirty="0">
-              <a:sym typeface="Wingdings" panose="05000000000000000000" pitchFamily="2" charset="2"/>
-            </a:endParaRPr>
-          </a:p>
-          <a:p>
-            <a:pPr marL="285750" indent="-285750">
-              <a:buFont typeface="Arial" panose="020B0604020202020204" pitchFamily="34" charset="0"/>
-              <a:buChar char="•"/>
-            </a:pPr>
-            <a:r>
-              <a:rPr lang="en-US" dirty="0" err="1">
-                <a:sym typeface="Wingdings" panose="05000000000000000000" pitchFamily="2" charset="2"/>
-              </a:rPr>
-              <a:t>Lightcurves</a:t>
-            </a:r>
-            <a:r>
-              <a:rPr lang="en-US" dirty="0">
-                <a:sym typeface="Wingdings" panose="05000000000000000000" pitchFamily="2" charset="2"/>
-              </a:rPr>
-              <a:t>  time binning and/or kernel density estimation </a:t>
-            </a:r>
-            <a:r>
-              <a:rPr lang="en-US" i="1">
-                <a:solidFill>
-                  <a:schemeClr val="bg1">
-                    <a:lumMod val="65000"/>
-                  </a:schemeClr>
-                </a:solidFill>
-              </a:rPr>
-              <a:t>(Sophie?)</a:t>
-            </a:r>
-            <a:endParaRPr lang="en-US" dirty="0">
-              <a:sym typeface="Wingdings" panose="05000000000000000000" pitchFamily="2" charset="2"/>
-            </a:endParaRPr>
-          </a:p>
-          <a:p>
-            <a:pPr marL="285750" indent="-285750">
-              <a:buFont typeface="Arial" panose="020B0604020202020204" pitchFamily="34" charset="0"/>
-              <a:buChar char="•"/>
-            </a:pPr>
-            <a:r>
-              <a:rPr lang="en-US" dirty="0">
-                <a:sym typeface="Wingdings" panose="05000000000000000000" pitchFamily="2" charset="2"/>
-              </a:rPr>
-              <a:t>Spectroscopy </a:t>
-            </a:r>
-            <a:r>
-              <a:rPr lang="en-US" i="1" dirty="0">
-                <a:solidFill>
-                  <a:schemeClr val="bg1">
-                    <a:lumMod val="65000"/>
-                  </a:schemeClr>
-                </a:solidFill>
-              </a:rPr>
-              <a:t>(UMN)</a:t>
-            </a:r>
-            <a:endParaRPr lang="en-US" dirty="0"/>
+              <a:t>Target 1</a:t>
+            </a:r>
           </a:p>
         </p:txBody>
       </p:sp>
     </p:spTree>
     <p:extLst>
       <p:ext uri="{BB962C8B-B14F-4D97-AF65-F5344CB8AC3E}">
-        <p14:creationId xmlns:p14="http://schemas.microsoft.com/office/powerpoint/2010/main" val="378212804"/>
+        <p14:creationId xmlns:p14="http://schemas.microsoft.com/office/powerpoint/2010/main" val="1541447762"/>
+      </p:ext>
+    </p:extLst>
+  </p:cSld>
+  <p:clrMapOvr>
+    <a:masterClrMapping/>
+  </p:clrMapOvr>
+</p:sld>
+</file>
+
+<file path=ppt/slides/slide9.xml><?xml version="1.0" encoding="utf-8"?>
+<p:sld xmlns:a="http://schemas.openxmlformats.org/drawingml/2006/main" xmlns:r="http://schemas.openxmlformats.org/officeDocument/2006/relationships" xmlns:p="http://schemas.openxmlformats.org/presentationml/2006/main">
+  <p:cSld>
+    <p:spTree>
+      <p:nvGrpSpPr>
+        <p:cNvPr id="1" name=""/>
+        <p:cNvGrpSpPr/>
+        <p:nvPr/>
+      </p:nvGrpSpPr>
+      <p:grpSpPr>
+        <a:xfrm>
+          <a:off x="0" y="0"/>
+          <a:ext cx="0" cy="0"/>
+          <a:chOff x="0" y="0"/>
+          <a:chExt cx="0" cy="0"/>
+        </a:xfrm>
+      </p:grpSpPr>
+      <p:sp>
+        <p:nvSpPr>
+          <p:cNvPr id="2" name="Title 1">
+            <a:extLst>
+              <a:ext uri="{FF2B5EF4-FFF2-40B4-BE49-F238E27FC236}">
+                <a16:creationId xmlns:a16="http://schemas.microsoft.com/office/drawing/2014/main" id="{50733B5F-CF6A-4708-AF27-CFE2A01F89A7}"/>
+              </a:ext>
+            </a:extLst>
+          </p:cNvPr>
+          <p:cNvSpPr>
+            <a:spLocks noGrp="1"/>
+          </p:cNvSpPr>
+          <p:nvPr>
+            <p:ph type="title"/>
+          </p:nvPr>
+        </p:nvSpPr>
+        <p:spPr/>
+        <p:txBody>
+          <a:bodyPr/>
+          <a:lstStyle/>
+          <a:p>
+            <a:r>
+              <a:rPr lang="en-US" dirty="0">
+                <a:latin typeface="Bahnschrift" panose="020B0502040204020203" pitchFamily="34" charset="0"/>
+              </a:rPr>
+              <a:t>Preliminary level 2 Si data: energy!</a:t>
+            </a:r>
+          </a:p>
+        </p:txBody>
+      </p:sp>
+      <p:pic>
+        <p:nvPicPr>
+          <p:cNvPr id="5" name="Picture 4">
+            <a:extLst>
+              <a:ext uri="{FF2B5EF4-FFF2-40B4-BE49-F238E27FC236}">
+                <a16:creationId xmlns:a16="http://schemas.microsoft.com/office/drawing/2014/main" id="{1BBFF286-D7F4-40DC-AA36-BA9ACADA81C3}"/>
+              </a:ext>
+            </a:extLst>
+          </p:cNvPr>
+          <p:cNvPicPr>
+            <a:picLocks noChangeAspect="1"/>
+          </p:cNvPicPr>
+          <p:nvPr/>
+        </p:nvPicPr>
+        <p:blipFill>
+          <a:blip r:embed="rId2">
+            <a:clrChange>
+              <a:clrFrom>
+                <a:srgbClr val="FFFFFF"/>
+              </a:clrFrom>
+              <a:clrTo>
+                <a:srgbClr val="FFFFFF">
+                  <a:alpha val="0"/>
+                </a:srgbClr>
+              </a:clrTo>
+            </a:clrChange>
+            <a:extLst>
+              <a:ext uri="{28A0092B-C50C-407E-A947-70E740481C1C}">
+                <a14:useLocalDpi xmlns:a14="http://schemas.microsoft.com/office/drawing/2010/main" val="0"/>
+              </a:ext>
+            </a:extLst>
+          </a:blip>
+          <a:stretch>
+            <a:fillRect/>
+          </a:stretch>
+        </p:blipFill>
+        <p:spPr>
+          <a:xfrm>
+            <a:off x="1112520" y="1201960"/>
+            <a:ext cx="5120640" cy="3072384"/>
+          </a:xfrm>
+          <a:prstGeom prst="rect">
+            <a:avLst/>
+          </a:prstGeom>
+        </p:spPr>
+      </p:pic>
+      <p:pic>
+        <p:nvPicPr>
+          <p:cNvPr id="9" name="Picture 8">
+            <a:extLst>
+              <a:ext uri="{FF2B5EF4-FFF2-40B4-BE49-F238E27FC236}">
+                <a16:creationId xmlns:a16="http://schemas.microsoft.com/office/drawing/2014/main" id="{BDCD4EA6-083D-4815-B10E-597B24468C99}"/>
+              </a:ext>
+            </a:extLst>
+          </p:cNvPr>
+          <p:cNvPicPr>
+            <a:picLocks noChangeAspect="1"/>
+          </p:cNvPicPr>
+          <p:nvPr/>
+        </p:nvPicPr>
+        <p:blipFill>
+          <a:blip r:embed="rId3">
+            <a:clrChange>
+              <a:clrFrom>
+                <a:srgbClr val="FFFFFF"/>
+              </a:clrFrom>
+              <a:clrTo>
+                <a:srgbClr val="FFFFFF">
+                  <a:alpha val="0"/>
+                </a:srgbClr>
+              </a:clrTo>
+            </a:clrChange>
+            <a:extLst>
+              <a:ext uri="{28A0092B-C50C-407E-A947-70E740481C1C}">
+                <a14:useLocalDpi xmlns:a14="http://schemas.microsoft.com/office/drawing/2010/main" val="0"/>
+              </a:ext>
+            </a:extLst>
+          </a:blip>
+          <a:stretch>
+            <a:fillRect/>
+          </a:stretch>
+        </p:blipFill>
+        <p:spPr>
+          <a:xfrm>
+            <a:off x="6230693" y="1201960"/>
+            <a:ext cx="5120640" cy="3072384"/>
+          </a:xfrm>
+          <a:prstGeom prst="rect">
+            <a:avLst/>
+          </a:prstGeom>
+        </p:spPr>
+      </p:pic>
+      <p:pic>
+        <p:nvPicPr>
+          <p:cNvPr id="13" name="Picture 12">
+            <a:extLst>
+              <a:ext uri="{FF2B5EF4-FFF2-40B4-BE49-F238E27FC236}">
+                <a16:creationId xmlns:a16="http://schemas.microsoft.com/office/drawing/2014/main" id="{E798BD08-CF65-4C09-AA0B-7C0180D33935}"/>
+              </a:ext>
+            </a:extLst>
+          </p:cNvPr>
+          <p:cNvPicPr>
+            <a:picLocks noChangeAspect="1"/>
+          </p:cNvPicPr>
+          <p:nvPr/>
+        </p:nvPicPr>
+        <p:blipFill>
+          <a:blip r:embed="rId4">
+            <a:clrChange>
+              <a:clrFrom>
+                <a:srgbClr val="FFFFFF"/>
+              </a:clrFrom>
+              <a:clrTo>
+                <a:srgbClr val="FFFFFF">
+                  <a:alpha val="0"/>
+                </a:srgbClr>
+              </a:clrTo>
+            </a:clrChange>
+            <a:extLst>
+              <a:ext uri="{28A0092B-C50C-407E-A947-70E740481C1C}">
+                <a14:useLocalDpi xmlns:a14="http://schemas.microsoft.com/office/drawing/2010/main" val="0"/>
+              </a:ext>
+            </a:extLst>
+          </a:blip>
+          <a:stretch>
+            <a:fillRect/>
+          </a:stretch>
+        </p:blipFill>
+        <p:spPr>
+          <a:xfrm>
+            <a:off x="1178490" y="3933742"/>
+            <a:ext cx="5120640" cy="3072384"/>
+          </a:xfrm>
+          <a:prstGeom prst="rect">
+            <a:avLst/>
+          </a:prstGeom>
+        </p:spPr>
+      </p:pic>
+      <p:pic>
+        <p:nvPicPr>
+          <p:cNvPr id="15" name="Picture 14">
+            <a:extLst>
+              <a:ext uri="{FF2B5EF4-FFF2-40B4-BE49-F238E27FC236}">
+                <a16:creationId xmlns:a16="http://schemas.microsoft.com/office/drawing/2014/main" id="{851E88A8-B08A-4CF7-9A82-C141559095C7}"/>
+              </a:ext>
+            </a:extLst>
+          </p:cNvPr>
+          <p:cNvPicPr>
+            <a:picLocks noChangeAspect="1"/>
+          </p:cNvPicPr>
+          <p:nvPr/>
+        </p:nvPicPr>
+        <p:blipFill>
+          <a:blip r:embed="rId5">
+            <a:clrChange>
+              <a:clrFrom>
+                <a:srgbClr val="FFFFFF"/>
+              </a:clrFrom>
+              <a:clrTo>
+                <a:srgbClr val="FFFFFF">
+                  <a:alpha val="0"/>
+                </a:srgbClr>
+              </a:clrTo>
+            </a:clrChange>
+            <a:extLst>
+              <a:ext uri="{28A0092B-C50C-407E-A947-70E740481C1C}">
+                <a14:useLocalDpi xmlns:a14="http://schemas.microsoft.com/office/drawing/2010/main" val="0"/>
+              </a:ext>
+            </a:extLst>
+          </a:blip>
+          <a:stretch>
+            <a:fillRect/>
+          </a:stretch>
+        </p:blipFill>
+        <p:spPr>
+          <a:xfrm>
+            <a:off x="6230693" y="3933742"/>
+            <a:ext cx="5120640" cy="3072384"/>
+          </a:xfrm>
+          <a:prstGeom prst="rect">
+            <a:avLst/>
+          </a:prstGeom>
+        </p:spPr>
+      </p:pic>
+    </p:spTree>
+    <p:extLst>
+      <p:ext uri="{BB962C8B-B14F-4D97-AF65-F5344CB8AC3E}">
+        <p14:creationId xmlns:p14="http://schemas.microsoft.com/office/powerpoint/2010/main" val="1375722548"/>
       </p:ext>
     </p:extLst>
   </p:cSld>
